--- a/snow_removing.pptx
+++ b/snow_removing.pptx
@@ -5,15 +5,16 @@
     <p:sldMasterId id="2147483648" r:id="rId1"/>
   </p:sldMasterIdLst>
   <p:notesMasterIdLst>
-    <p:notesMasterId r:id="rId8"/>
+    <p:notesMasterId r:id="rId9"/>
   </p:notesMasterIdLst>
   <p:sldIdLst>
     <p:sldId id="256" r:id="rId2"/>
-    <p:sldId id="262" r:id="rId3"/>
-    <p:sldId id="257" r:id="rId4"/>
-    <p:sldId id="260" r:id="rId5"/>
-    <p:sldId id="259" r:id="rId6"/>
-    <p:sldId id="261" r:id="rId7"/>
+    <p:sldId id="263" r:id="rId3"/>
+    <p:sldId id="262" r:id="rId4"/>
+    <p:sldId id="257" r:id="rId5"/>
+    <p:sldId id="260" r:id="rId6"/>
+    <p:sldId id="259" r:id="rId7"/>
+    <p:sldId id="261" r:id="rId8"/>
   </p:sldIdLst>
   <p:sldSz cx="12192000" cy="6858000"/>
   <p:notesSz cx="6858000" cy="9144000"/>
@@ -202,7 +203,7 @@
           <a:p>
             <a:fld id="{AF983FFF-1BE5-4247-961D-547A076F90E0}" type="datetimeFigureOut">
               <a:rPr kumimoji="1" lang="ja-JP" altLang="en-US" smtClean="0"/>
-              <a:t>2018/11/19</a:t>
+              <a:t>2019/1/15</a:t>
             </a:fld>
             <a:endParaRPr kumimoji="1" lang="ja-JP" altLang="en-US"/>
           </a:p>
@@ -738,7 +739,7 @@
           <a:p>
             <a:fld id="{F4ADB183-CEFD-F240-AA07-69F4A9CB316C}" type="datetimeFigureOut">
               <a:rPr kumimoji="1" lang="ja-JP" altLang="en-US" smtClean="0"/>
-              <a:t>2018/11/19</a:t>
+              <a:t>2019/1/15</a:t>
             </a:fld>
             <a:endParaRPr kumimoji="1" lang="ja-JP" altLang="en-US"/>
           </a:p>
@@ -943,7 +944,7 @@
           <a:p>
             <a:fld id="{F4ADB183-CEFD-F240-AA07-69F4A9CB316C}" type="datetimeFigureOut">
               <a:rPr kumimoji="1" lang="ja-JP" altLang="en-US" smtClean="0"/>
-              <a:t>2018/11/19</a:t>
+              <a:t>2019/1/15</a:t>
             </a:fld>
             <a:endParaRPr kumimoji="1" lang="ja-JP" altLang="en-US"/>
           </a:p>
@@ -1158,7 +1159,7 @@
           <a:p>
             <a:fld id="{F4ADB183-CEFD-F240-AA07-69F4A9CB316C}" type="datetimeFigureOut">
               <a:rPr kumimoji="1" lang="ja-JP" altLang="en-US" smtClean="0"/>
-              <a:t>2018/11/19</a:t>
+              <a:t>2019/1/15</a:t>
             </a:fld>
             <a:endParaRPr kumimoji="1" lang="ja-JP" altLang="en-US"/>
           </a:p>
@@ -1363,7 +1364,7 @@
           <a:p>
             <a:fld id="{F4ADB183-CEFD-F240-AA07-69F4A9CB316C}" type="datetimeFigureOut">
               <a:rPr kumimoji="1" lang="ja-JP" altLang="en-US" smtClean="0"/>
-              <a:t>2018/11/19</a:t>
+              <a:t>2019/1/15</a:t>
             </a:fld>
             <a:endParaRPr kumimoji="1" lang="ja-JP" altLang="en-US"/>
           </a:p>
@@ -1673,7 +1674,7 @@
           <a:p>
             <a:fld id="{F4ADB183-CEFD-F240-AA07-69F4A9CB316C}" type="datetimeFigureOut">
               <a:rPr kumimoji="1" lang="ja-JP" altLang="en-US" smtClean="0"/>
-              <a:t>2018/11/19</a:t>
+              <a:t>2019/1/15</a:t>
             </a:fld>
             <a:endParaRPr kumimoji="1" lang="ja-JP" altLang="en-US"/>
           </a:p>
@@ -1952,7 +1953,7 @@
           <a:p>
             <a:fld id="{F4ADB183-CEFD-F240-AA07-69F4A9CB316C}" type="datetimeFigureOut">
               <a:rPr kumimoji="1" lang="ja-JP" altLang="en-US" smtClean="0"/>
-              <a:t>2018/11/19</a:t>
+              <a:t>2019/1/15</a:t>
             </a:fld>
             <a:endParaRPr kumimoji="1" lang="ja-JP" altLang="en-US"/>
           </a:p>
@@ -2448,7 +2449,7 @@
           <a:p>
             <a:fld id="{F4ADB183-CEFD-F240-AA07-69F4A9CB316C}" type="datetimeFigureOut">
               <a:rPr kumimoji="1" lang="ja-JP" altLang="en-US" smtClean="0"/>
-              <a:t>2018/11/19</a:t>
+              <a:t>2019/1/15</a:t>
             </a:fld>
             <a:endParaRPr kumimoji="1" lang="ja-JP" altLang="en-US"/>
           </a:p>
@@ -2589,7 +2590,7 @@
           <a:p>
             <a:fld id="{F4ADB183-CEFD-F240-AA07-69F4A9CB316C}" type="datetimeFigureOut">
               <a:rPr kumimoji="1" lang="ja-JP" altLang="en-US" smtClean="0"/>
-              <a:t>2018/11/19</a:t>
+              <a:t>2019/1/15</a:t>
             </a:fld>
             <a:endParaRPr kumimoji="1" lang="ja-JP" altLang="en-US"/>
           </a:p>
@@ -2702,7 +2703,7 @@
           <a:p>
             <a:fld id="{F4ADB183-CEFD-F240-AA07-69F4A9CB316C}" type="datetimeFigureOut">
               <a:rPr kumimoji="1" lang="ja-JP" altLang="en-US" smtClean="0"/>
-              <a:t>2018/11/19</a:t>
+              <a:t>2019/1/15</a:t>
             </a:fld>
             <a:endParaRPr kumimoji="1" lang="ja-JP" altLang="en-US"/>
           </a:p>
@@ -3055,7 +3056,7 @@
           <a:p>
             <a:fld id="{F4ADB183-CEFD-F240-AA07-69F4A9CB316C}" type="datetimeFigureOut">
               <a:rPr kumimoji="1" lang="ja-JP" altLang="en-US" smtClean="0"/>
-              <a:t>2018/11/19</a:t>
+              <a:t>2019/1/15</a:t>
             </a:fld>
             <a:endParaRPr kumimoji="1" lang="ja-JP" altLang="en-US"/>
           </a:p>
@@ -3378,7 +3379,7 @@
           <a:p>
             <a:fld id="{F4ADB183-CEFD-F240-AA07-69F4A9CB316C}" type="datetimeFigureOut">
               <a:rPr kumimoji="1" lang="ja-JP" altLang="en-US" smtClean="0"/>
-              <a:t>2018/11/19</a:t>
+              <a:t>2019/1/15</a:t>
             </a:fld>
             <a:endParaRPr kumimoji="1" lang="ja-JP" altLang="en-US"/>
           </a:p>
@@ -3626,7 +3627,7 @@
           <a:p>
             <a:fld id="{F4ADB183-CEFD-F240-AA07-69F4A9CB316C}" type="datetimeFigureOut">
               <a:rPr kumimoji="1" lang="ja-JP" altLang="en-US" smtClean="0"/>
-              <a:t>2018/11/19</a:t>
+              <a:t>2019/1/15</a:t>
             </a:fld>
             <a:endParaRPr kumimoji="1" lang="ja-JP" altLang="en-US"/>
           </a:p>
@@ -4798,7 +4799,7 @@
           <p:cNvPr id="2" name="タイトル 1">
             <a:extLst>
               <a:ext uri="{FF2B5EF4-FFF2-40B4-BE49-F238E27FC236}">
-                <a16:creationId xmlns:a16="http://schemas.microsoft.com/office/drawing/2014/main" id="{922FC98C-2A03-D449-A630-9C03E09C5F8F}"/>
+                <a16:creationId xmlns:a16="http://schemas.microsoft.com/office/drawing/2014/main" id="{CA5F41AE-474D-794C-A85F-292D7D3C7161}"/>
               </a:ext>
             </a:extLst>
           </p:cNvPr>
@@ -4816,31 +4817,166 @@
           <a:p>
             <a:r>
               <a:rPr kumimoji="1" lang="ja-JP" altLang="en-US"/>
-              <a:t>実装例</a:t>
-            </a:r>
-          </a:p>
-        </p:txBody>
-      </p:sp>
-      <p:sp>
-        <p:nvSpPr>
-          <p:cNvPr id="3" name="テキスト プレースホルダー 2">
-            <a:extLst>
-              <a:ext uri="{FF2B5EF4-FFF2-40B4-BE49-F238E27FC236}">
-                <a16:creationId xmlns:a16="http://schemas.microsoft.com/office/drawing/2014/main" id="{93BC16D3-D53C-4A42-9644-296764A641DF}"/>
-              </a:ext>
-            </a:extLst>
-          </p:cNvPr>
-          <p:cNvSpPr>
-            <a:spLocks noGrp="1"/>
-          </p:cNvSpPr>
-          <p:nvPr>
-            <p:ph type="body" idx="1"/>
-          </p:nvPr>
-        </p:nvSpPr>
-        <p:spPr/>
-        <p:txBody>
-          <a:bodyPr/>
-          <a:lstStyle/>
+              <a:t>ドキュメント</a:t>
+            </a:r>
+          </a:p>
+        </p:txBody>
+      </p:sp>
+      <p:sp>
+        <p:nvSpPr>
+          <p:cNvPr id="3" name="コンテンツ プレースホルダー 2">
+            <a:extLst>
+              <a:ext uri="{FF2B5EF4-FFF2-40B4-BE49-F238E27FC236}">
+                <a16:creationId xmlns:a16="http://schemas.microsoft.com/office/drawing/2014/main" id="{2C7DC25E-1606-3644-979B-1CF449E83B72}"/>
+              </a:ext>
+            </a:extLst>
+          </p:cNvPr>
+          <p:cNvSpPr>
+            <a:spLocks noGrp="1"/>
+          </p:cNvSpPr>
+          <p:nvPr>
+            <p:ph idx="1"/>
+          </p:nvPr>
+        </p:nvSpPr>
+        <p:spPr>
+          <a:xfrm>
+            <a:off x="89210" y="1825625"/>
+            <a:ext cx="12102790" cy="4351338"/>
+          </a:xfrm>
+        </p:spPr>
+        <p:txBody>
+          <a:bodyPr>
+            <a:normAutofit/>
+          </a:bodyPr>
+          <a:lstStyle/>
+          <a:p>
+            <a:r>
+              <a:rPr lang="ja-JP" altLang="en-US"/>
+              <a:t>説明資料</a:t>
+            </a:r>
+          </a:p>
+          <a:p>
+            <a:pPr lvl="1">
+              <a:buFont typeface="Wingdings" pitchFamily="2" charset="2"/>
+              <a:buChar char="Ø"/>
+            </a:pPr>
+            <a:r>
+              <a:rPr lang="en-US" altLang="ja-JP" dirty="0"/>
+              <a:t> https://</a:t>
+            </a:r>
+            <a:r>
+              <a:rPr lang="en-US" altLang="ja-JP" dirty="0" err="1"/>
+              <a:t>github.com</a:t>
+            </a:r>
+            <a:r>
+              <a:rPr lang="en-US" altLang="ja-JP" dirty="0"/>
+              <a:t>/</a:t>
+            </a:r>
+            <a:r>
+              <a:rPr lang="en-US" altLang="ja-JP" dirty="0" err="1"/>
+              <a:t>homata</a:t>
+            </a:r>
+            <a:r>
+              <a:rPr lang="en-US" altLang="ja-JP" dirty="0"/>
+              <a:t>/</a:t>
+            </a:r>
+            <a:r>
+              <a:rPr lang="en-US" altLang="ja-JP" dirty="0" err="1"/>
+              <a:t>snow_removing</a:t>
+            </a:r>
+            <a:r>
+              <a:rPr lang="en-US" altLang="ja-JP" dirty="0"/>
+              <a:t>/blob/master/</a:t>
+            </a:r>
+            <a:r>
+              <a:rPr lang="en-US" altLang="ja-JP" dirty="0" err="1"/>
+              <a:t>snow_removing.pdf</a:t>
+            </a:r>
+            <a:endParaRPr lang="en-US" altLang="ja-JP" dirty="0"/>
+          </a:p>
+          <a:p>
+            <a:endParaRPr lang="en-US" altLang="ja-JP" dirty="0"/>
+          </a:p>
+          <a:p>
+            <a:r>
+              <a:rPr lang="ja-JP" altLang="en-US"/>
+              <a:t>デモ動画</a:t>
+            </a:r>
+          </a:p>
+          <a:p>
+            <a:pPr lvl="1">
+              <a:buFont typeface="Wingdings" pitchFamily="2" charset="2"/>
+              <a:buChar char="Ø"/>
+            </a:pPr>
+            <a:r>
+              <a:rPr lang="en-US" altLang="ja-JP" dirty="0"/>
+              <a:t> https://</a:t>
+            </a:r>
+            <a:r>
+              <a:rPr lang="en-US" altLang="ja-JP" dirty="0" err="1"/>
+              <a:t>github.com</a:t>
+            </a:r>
+            <a:r>
+              <a:rPr lang="en-US" altLang="ja-JP" dirty="0"/>
+              <a:t>/</a:t>
+            </a:r>
+            <a:r>
+              <a:rPr lang="en-US" altLang="ja-JP" dirty="0" err="1"/>
+              <a:t>homata</a:t>
+            </a:r>
+            <a:r>
+              <a:rPr lang="en-US" altLang="ja-JP" dirty="0"/>
+              <a:t>/</a:t>
+            </a:r>
+            <a:r>
+              <a:rPr lang="en-US" altLang="ja-JP" dirty="0" err="1"/>
+              <a:t>snow_removing</a:t>
+            </a:r>
+            <a:r>
+              <a:rPr lang="en-US" altLang="ja-JP" dirty="0"/>
+              <a:t>/blob/master/snow_removing.m4v</a:t>
+            </a:r>
+          </a:p>
+          <a:p>
+            <a:endParaRPr lang="en-US" altLang="ja-JP" dirty="0"/>
+          </a:p>
+          <a:p>
+            <a:r>
+              <a:rPr lang="ja-JP" altLang="en-US"/>
+              <a:t>ソースコード</a:t>
+            </a:r>
+          </a:p>
+          <a:p>
+            <a:pPr lvl="1">
+              <a:buFont typeface="Wingdings" pitchFamily="2" charset="2"/>
+              <a:buChar char="Ø"/>
+            </a:pPr>
+            <a:r>
+              <a:rPr lang="en-US" altLang="ja-JP" dirty="0"/>
+              <a:t> https://</a:t>
+            </a:r>
+            <a:r>
+              <a:rPr lang="en-US" altLang="ja-JP" dirty="0" err="1"/>
+              <a:t>github.com</a:t>
+            </a:r>
+            <a:r>
+              <a:rPr lang="en-US" altLang="ja-JP" dirty="0"/>
+              <a:t>/</a:t>
+            </a:r>
+            <a:r>
+              <a:rPr lang="en-US" altLang="ja-JP" dirty="0" err="1"/>
+              <a:t>homata</a:t>
+            </a:r>
+            <a:r>
+              <a:rPr lang="en-US" altLang="ja-JP" dirty="0"/>
+              <a:t>/</a:t>
+            </a:r>
+            <a:r>
+              <a:rPr lang="en-US" altLang="ja-JP" dirty="0" err="1"/>
+              <a:t>snow_removing</a:t>
+            </a:r>
+            <a:endParaRPr lang="en-US" altLang="ja-JP" dirty="0"/>
+          </a:p>
           <a:p>
             <a:endParaRPr kumimoji="1" lang="ja-JP" altLang="en-US"/>
           </a:p>
@@ -4849,7 +4985,7 @@
     </p:spTree>
     <p:extLst>
       <p:ext uri="{BB962C8B-B14F-4D97-AF65-F5344CB8AC3E}">
-        <p14:creationId xmlns:p14="http://schemas.microsoft.com/office/powerpoint/2010/main" val="3450161677"/>
+        <p14:creationId xmlns:p14="http://schemas.microsoft.com/office/powerpoint/2010/main" val="3679714566"/>
       </p:ext>
     </p:extLst>
   </p:cSld>
@@ -4878,10 +5014,10 @@
       </p:grpSpPr>
       <p:sp>
         <p:nvSpPr>
-          <p:cNvPr id="4" name="タイトル 3">
-            <a:extLst>
-              <a:ext uri="{FF2B5EF4-FFF2-40B4-BE49-F238E27FC236}">
-                <a16:creationId xmlns:a16="http://schemas.microsoft.com/office/drawing/2014/main" id="{4268C5A6-3D11-804A-A382-5EA7CA51C14D}"/>
+          <p:cNvPr id="2" name="タイトル 1">
+            <a:extLst>
+              <a:ext uri="{FF2B5EF4-FFF2-40B4-BE49-F238E27FC236}">
+                <a16:creationId xmlns:a16="http://schemas.microsoft.com/office/drawing/2014/main" id="{922FC98C-2A03-D449-A630-9C03E09C5F8F}"/>
               </a:ext>
             </a:extLst>
           </p:cNvPr>
@@ -4899,95 +5035,40 @@
           <a:p>
             <a:r>
               <a:rPr kumimoji="1" lang="ja-JP" altLang="en-US"/>
-              <a:t>マップ</a:t>
-            </a:r>
-          </a:p>
-        </p:txBody>
-      </p:sp>
-      <p:pic>
-        <p:nvPicPr>
-          <p:cNvPr id="8" name="図 7">
-            <a:extLst>
-              <a:ext uri="{FF2B5EF4-FFF2-40B4-BE49-F238E27FC236}">
-                <a16:creationId xmlns:a16="http://schemas.microsoft.com/office/drawing/2014/main" id="{842D68B6-85D7-E343-8828-02461B2BE686}"/>
-              </a:ext>
-            </a:extLst>
-          </p:cNvPr>
-          <p:cNvPicPr>
-            <a:picLocks noChangeAspect="1"/>
-          </p:cNvPicPr>
-          <p:nvPr/>
-        </p:nvPicPr>
-        <p:blipFill>
-          <a:blip r:embed="rId2"/>
-          <a:stretch>
-            <a:fillRect/>
-          </a:stretch>
-        </p:blipFill>
-        <p:spPr>
-          <a:xfrm>
-            <a:off x="2972845" y="852026"/>
-            <a:ext cx="6916894" cy="5363580"/>
-          </a:xfrm>
-          <a:prstGeom prst="rect">
-            <a:avLst/>
-          </a:prstGeom>
-        </p:spPr>
-      </p:pic>
-      <p:sp>
-        <p:nvSpPr>
-          <p:cNvPr id="9" name="正方形/長方形 8">
-            <a:extLst>
-              <a:ext uri="{FF2B5EF4-FFF2-40B4-BE49-F238E27FC236}">
-                <a16:creationId xmlns:a16="http://schemas.microsoft.com/office/drawing/2014/main" id="{52FB18DC-5EE7-A946-BC28-CFECA0CE2113}"/>
-              </a:ext>
-            </a:extLst>
-          </p:cNvPr>
-          <p:cNvSpPr/>
-          <p:nvPr/>
-        </p:nvSpPr>
-        <p:spPr>
-          <a:xfrm>
-            <a:off x="8684308" y="6594785"/>
-            <a:ext cx="3507692" cy="215444"/>
-          </a:xfrm>
-          <a:prstGeom prst="rect">
-            <a:avLst/>
-          </a:prstGeom>
-        </p:spPr>
-        <p:txBody>
-          <a:bodyPr wrap="none">
-            <a:spAutoFit/>
-          </a:bodyPr>
-          <a:lstStyle/>
-          <a:p>
-            <a:r>
-              <a:rPr lang="ja-JP" altLang="en-US" sz="800"/>
-              <a:t>雪だるま画像</a:t>
-            </a:r>
-            <a:r>
-              <a:rPr lang="en-US" altLang="ja-JP" sz="800" dirty="0"/>
-              <a:t>: </a:t>
-            </a:r>
-            <a:r>
-              <a:rPr lang="ja-JP" altLang="en-US" sz="800"/>
-              <a:t>モノぽっと</a:t>
-            </a:r>
-            <a:r>
-              <a:rPr lang="en-US" altLang="ja-JP" sz="800" dirty="0"/>
-              <a:t>:</a:t>
-            </a:r>
-            <a:r>
-              <a:rPr lang="ja-JP" altLang="en-US" sz="800"/>
-              <a:t>https://www.monopot-illust.com/illust/503</a:t>
-            </a:r>
+              <a:t>実装例</a:t>
+            </a:r>
+          </a:p>
+        </p:txBody>
+      </p:sp>
+      <p:sp>
+        <p:nvSpPr>
+          <p:cNvPr id="3" name="テキスト プレースホルダー 2">
+            <a:extLst>
+              <a:ext uri="{FF2B5EF4-FFF2-40B4-BE49-F238E27FC236}">
+                <a16:creationId xmlns:a16="http://schemas.microsoft.com/office/drawing/2014/main" id="{93BC16D3-D53C-4A42-9644-296764A641DF}"/>
+              </a:ext>
+            </a:extLst>
+          </p:cNvPr>
+          <p:cNvSpPr>
+            <a:spLocks noGrp="1"/>
+          </p:cNvSpPr>
+          <p:nvPr>
+            <p:ph type="body" idx="1"/>
+          </p:nvPr>
+        </p:nvSpPr>
+        <p:spPr/>
+        <p:txBody>
+          <a:bodyPr/>
+          <a:lstStyle/>
+          <a:p>
+            <a:endParaRPr kumimoji="1" lang="ja-JP" altLang="en-US"/>
           </a:p>
         </p:txBody>
       </p:sp>
     </p:spTree>
     <p:extLst>
       <p:ext uri="{BB962C8B-B14F-4D97-AF65-F5344CB8AC3E}">
-        <p14:creationId xmlns:p14="http://schemas.microsoft.com/office/powerpoint/2010/main" val="3964374622"/>
+        <p14:creationId xmlns:p14="http://schemas.microsoft.com/office/powerpoint/2010/main" val="3450161677"/>
       </p:ext>
     </p:extLst>
   </p:cSld>
@@ -5036,6 +5117,144 @@
           <a:lstStyle/>
           <a:p>
             <a:r>
+              <a:rPr kumimoji="1" lang="ja-JP" altLang="en-US"/>
+              <a:t>マップ</a:t>
+            </a:r>
+          </a:p>
+        </p:txBody>
+      </p:sp>
+      <p:pic>
+        <p:nvPicPr>
+          <p:cNvPr id="8" name="図 7">
+            <a:extLst>
+              <a:ext uri="{FF2B5EF4-FFF2-40B4-BE49-F238E27FC236}">
+                <a16:creationId xmlns:a16="http://schemas.microsoft.com/office/drawing/2014/main" id="{842D68B6-85D7-E343-8828-02461B2BE686}"/>
+              </a:ext>
+            </a:extLst>
+          </p:cNvPr>
+          <p:cNvPicPr>
+            <a:picLocks noChangeAspect="1"/>
+          </p:cNvPicPr>
+          <p:nvPr/>
+        </p:nvPicPr>
+        <p:blipFill>
+          <a:blip r:embed="rId2"/>
+          <a:stretch>
+            <a:fillRect/>
+          </a:stretch>
+        </p:blipFill>
+        <p:spPr>
+          <a:xfrm>
+            <a:off x="2972845" y="852026"/>
+            <a:ext cx="6916894" cy="5363580"/>
+          </a:xfrm>
+          <a:prstGeom prst="rect">
+            <a:avLst/>
+          </a:prstGeom>
+        </p:spPr>
+      </p:pic>
+      <p:sp>
+        <p:nvSpPr>
+          <p:cNvPr id="9" name="正方形/長方形 8">
+            <a:extLst>
+              <a:ext uri="{FF2B5EF4-FFF2-40B4-BE49-F238E27FC236}">
+                <a16:creationId xmlns:a16="http://schemas.microsoft.com/office/drawing/2014/main" id="{52FB18DC-5EE7-A946-BC28-CFECA0CE2113}"/>
+              </a:ext>
+            </a:extLst>
+          </p:cNvPr>
+          <p:cNvSpPr/>
+          <p:nvPr/>
+        </p:nvSpPr>
+        <p:spPr>
+          <a:xfrm>
+            <a:off x="8684308" y="6594785"/>
+            <a:ext cx="3507692" cy="215444"/>
+          </a:xfrm>
+          <a:prstGeom prst="rect">
+            <a:avLst/>
+          </a:prstGeom>
+        </p:spPr>
+        <p:txBody>
+          <a:bodyPr wrap="none">
+            <a:spAutoFit/>
+          </a:bodyPr>
+          <a:lstStyle/>
+          <a:p>
+            <a:r>
+              <a:rPr lang="ja-JP" altLang="en-US" sz="800"/>
+              <a:t>雪だるま画像</a:t>
+            </a:r>
+            <a:r>
+              <a:rPr lang="en-US" altLang="ja-JP" sz="800" dirty="0"/>
+              <a:t>: </a:t>
+            </a:r>
+            <a:r>
+              <a:rPr lang="ja-JP" altLang="en-US" sz="800"/>
+              <a:t>モノぽっと</a:t>
+            </a:r>
+            <a:r>
+              <a:rPr lang="en-US" altLang="ja-JP" sz="800" dirty="0"/>
+              <a:t>:</a:t>
+            </a:r>
+            <a:r>
+              <a:rPr lang="ja-JP" altLang="en-US" sz="800"/>
+              <a:t>https://www.monopot-illust.com/illust/503</a:t>
+            </a:r>
+          </a:p>
+        </p:txBody>
+      </p:sp>
+    </p:spTree>
+    <p:extLst>
+      <p:ext uri="{BB962C8B-B14F-4D97-AF65-F5344CB8AC3E}">
+        <p14:creationId xmlns:p14="http://schemas.microsoft.com/office/powerpoint/2010/main" val="3964374622"/>
+      </p:ext>
+    </p:extLst>
+  </p:cSld>
+  <p:clrMapOvr>
+    <a:masterClrMapping/>
+  </p:clrMapOvr>
+</p:sld>
+</file>
+
+<file path=ppt/slides/slide5.xml><?xml version="1.0" encoding="utf-8"?>
+<p:sld xmlns:a="http://schemas.openxmlformats.org/drawingml/2006/main" xmlns:r="http://schemas.openxmlformats.org/officeDocument/2006/relationships" xmlns:p="http://schemas.openxmlformats.org/presentationml/2006/main">
+  <p:cSld>
+    <p:spTree>
+      <p:nvGrpSpPr>
+        <p:cNvPr id="1" name=""/>
+        <p:cNvGrpSpPr/>
+        <p:nvPr/>
+      </p:nvGrpSpPr>
+      <p:grpSpPr>
+        <a:xfrm>
+          <a:off x="0" y="0"/>
+          <a:ext cx="0" cy="0"/>
+          <a:chOff x="0" y="0"/>
+          <a:chExt cx="0" cy="0"/>
+        </a:xfrm>
+      </p:grpSpPr>
+      <p:sp>
+        <p:nvSpPr>
+          <p:cNvPr id="4" name="タイトル 3">
+            <a:extLst>
+              <a:ext uri="{FF2B5EF4-FFF2-40B4-BE49-F238E27FC236}">
+                <a16:creationId xmlns:a16="http://schemas.microsoft.com/office/drawing/2014/main" id="{4268C5A6-3D11-804A-A382-5EA7CA51C14D}"/>
+              </a:ext>
+            </a:extLst>
+          </p:cNvPr>
+          <p:cNvSpPr>
+            <a:spLocks noGrp="1"/>
+          </p:cNvSpPr>
+          <p:nvPr>
+            <p:ph type="title"/>
+          </p:nvPr>
+        </p:nvSpPr>
+        <p:spPr/>
+        <p:txBody>
+          <a:bodyPr/>
+          <a:lstStyle/>
+          <a:p>
+            <a:r>
               <a:rPr lang="ja-JP" altLang="en-US"/>
               <a:t>ランキング</a:t>
             </a:r>
@@ -5136,7 +5355,7 @@
 </p:sld>
 </file>
 
-<file path=ppt/slides/slide5.xml><?xml version="1.0" encoding="utf-8"?>
+<file path=ppt/slides/slide6.xml><?xml version="1.0" encoding="utf-8"?>
 <p:sld xmlns:a="http://schemas.openxmlformats.org/drawingml/2006/main" xmlns:r="http://schemas.openxmlformats.org/officeDocument/2006/relationships" xmlns:p="http://schemas.openxmlformats.org/presentationml/2006/main">
   <p:cSld>
     <p:spTree>
@@ -5237,7 +5456,7 @@
 </p:sld>
 </file>
 
-<file path=ppt/slides/slide6.xml><?xml version="1.0" encoding="utf-8"?>
+<file path=ppt/slides/slide7.xml><?xml version="1.0" encoding="utf-8"?>
 <p:sld xmlns:a="http://schemas.openxmlformats.org/drawingml/2006/main" xmlns:r="http://schemas.openxmlformats.org/officeDocument/2006/relationships" xmlns:p="http://schemas.openxmlformats.org/presentationml/2006/main">
   <p:cSld>
     <p:spTree>
